--- a/presentation.pptx
+++ b/presentation.pptx
@@ -5,7 +5,7 @@
     <p:sldMasterId id="2147483674" r:id="rId1"/>
   </p:sldMasterIdLst>
   <p:notesMasterIdLst>
-    <p:notesMasterId r:id="rId25"/>
+    <p:notesMasterId r:id="rId26"/>
   </p:notesMasterIdLst>
   <p:sldIdLst>
     <p:sldId id="256" r:id="rId2"/>
@@ -31,34 +31,35 @@
     <p:sldId id="276" r:id="rId22"/>
     <p:sldId id="277" r:id="rId23"/>
     <p:sldId id="283" r:id="rId24"/>
+    <p:sldId id="284" r:id="rId25"/>
   </p:sldIdLst>
   <p:sldSz cx="12192000" cy="6858000"/>
   <p:notesSz cx="6858000" cy="9144000"/>
   <p:embeddedFontLst>
     <p:embeddedFont>
       <p:font typeface="Calibri" panose="020F0502020204030204" pitchFamily="34" charset="0"/>
-      <p:regular r:id="rId26"/>
-      <p:bold r:id="rId27"/>
-      <p:italic r:id="rId28"/>
-      <p:boldItalic r:id="rId29"/>
+      <p:regular r:id="rId27"/>
+      <p:bold r:id="rId28"/>
+      <p:italic r:id="rId29"/>
+      <p:boldItalic r:id="rId30"/>
     </p:embeddedFont>
     <p:embeddedFont>
       <p:font typeface="Century Gothic" panose="020B0502020202020204" pitchFamily="34" charset="0"/>
-      <p:regular r:id="rId30"/>
-      <p:bold r:id="rId31"/>
-      <p:italic r:id="rId32"/>
-      <p:boldItalic r:id="rId33"/>
+      <p:regular r:id="rId31"/>
+      <p:bold r:id="rId32"/>
+      <p:italic r:id="rId33"/>
+      <p:boldItalic r:id="rId34"/>
     </p:embeddedFont>
     <p:embeddedFont>
       <p:font typeface="Roboto" panose="02020500000000000000" charset="0"/>
-      <p:regular r:id="rId34"/>
-      <p:bold r:id="rId35"/>
-      <p:italic r:id="rId36"/>
-      <p:boldItalic r:id="rId37"/>
+      <p:regular r:id="rId35"/>
+      <p:bold r:id="rId36"/>
+      <p:italic r:id="rId37"/>
+      <p:boldItalic r:id="rId38"/>
     </p:embeddedFont>
     <p:embeddedFont>
       <p:font typeface="Wingdings 3" panose="05040102010807070707" pitchFamily="18" charset="2"/>
-      <p:regular r:id="rId38"/>
+      <p:regular r:id="rId39"/>
     </p:embeddedFont>
   </p:embeddedFontLst>
   <p:defaultTextStyle>
@@ -157,8 +158,11 @@
     </a:lvl9pPr>
   </p:defaultTextStyle>
   <p:extLst>
+    <p:ext uri="{EFAFB233-063F-42B5-8137-9DF3F51BA10A}">
+      <p15:sldGuideLst xmlns:p15="http://schemas.microsoft.com/office/powerpoint/2012/main"/>
+    </p:ext>
     <p:ext uri="http://customooxmlschemas.google.com/">
-      <go:slidesCustomData xmlns:go="http://customooxmlschemas.google.com/" xmlns:ahyp="http://schemas.microsoft.com/office/drawing/2018/hyperlinkcolor" xmlns:p15="http://schemas.microsoft.com/office/powerpoint/2012/main" xmlns:p14="http://schemas.microsoft.com/office/powerpoint/2010/main" xmlns:com="http://schemas.openxmlformats.org/drawingml/2006/compatibility" xmlns:pvml="urn:schemas-microsoft-com:office:powerpoint" xmlns:v="urn:schemas-microsoft-com:vml" xmlns:o="urn:schemas-microsoft-com:office:office" xmlns:dgm="http://schemas.openxmlformats.org/drawingml/2006/diagram" xmlns:c="http://schemas.openxmlformats.org/drawingml/2006/chart" xmlns:mv="urn:schemas-microsoft-com:mac:vml" xmlns:mc="http://schemas.openxmlformats.org/markup-compatibility/2006" xmlns="" r:id="rId42" roundtripDataSignature="AMtx7miGUcQt5qCnmvsSZtLJGodSofTvag=="/>
+      <go:slidesCustomData xmlns="" xmlns:mc="http://schemas.openxmlformats.org/markup-compatibility/2006" xmlns:mv="urn:schemas-microsoft-com:mac:vml" xmlns:c="http://schemas.openxmlformats.org/drawingml/2006/chart" xmlns:dgm="http://schemas.openxmlformats.org/drawingml/2006/diagram" xmlns:o="urn:schemas-microsoft-com:office:office" xmlns:v="urn:schemas-microsoft-com:vml" xmlns:pvml="urn:schemas-microsoft-com:office:powerpoint" xmlns:com="http://schemas.openxmlformats.org/drawingml/2006/compatibility" xmlns:p14="http://schemas.microsoft.com/office/powerpoint/2010/main" xmlns:p15="http://schemas.microsoft.com/office/powerpoint/2012/main" xmlns:ahyp="http://schemas.microsoft.com/office/drawing/2018/hyperlinkcolor" xmlns:go="http://customooxmlschemas.google.com/" r:id="rId42" roundtripDataSignature="AMtx7miGUcQt5qCnmvsSZtLJGodSofTvag=="/>
     </p:ext>
   </p:extLst>
 </p:presentation>
@@ -12636,7 +12640,7 @@
               <a:buNone/>
             </a:pPr>
             <a:r>
-              <a:rPr lang="en-US" sz="3200" b="1" i="0" u="none" strike="noStrike" cap="none">
+              <a:rPr lang="en-US" sz="3200" b="1" i="0" u="none" strike="noStrike" cap="none" dirty="0">
                 <a:solidFill>
                   <a:schemeClr val="lt1"/>
                 </a:solidFill>
@@ -12645,9 +12649,9 @@
                 <a:cs typeface="Century Gothic"/>
                 <a:sym typeface="Century Gothic"/>
               </a:rPr>
-              <a:t>A Computer Vision Project for OCR dataset</a:t>
-            </a:r>
-            <a:endParaRPr>
+              <a:t>Deep Learning Final Project </a:t>
+            </a:r>
+            <a:endParaRPr lang="en-US" dirty="0">
               <a:latin typeface="Century Gothic"/>
               <a:ea typeface="Century Gothic"/>
               <a:cs typeface="Century Gothic"/>
@@ -12668,7 +12672,7 @@
               <a:buNone/>
             </a:pPr>
             <a:r>
-              <a:rPr lang="en-US" sz="3200" b="1" i="0" u="none" strike="noStrike" cap="none">
+              <a:rPr lang="en-US" sz="3200" b="1" i="0" u="none" strike="noStrike" cap="none" dirty="0">
                 <a:solidFill>
                   <a:schemeClr val="lt1"/>
                 </a:solidFill>
@@ -12679,7 +12683,7 @@
               </a:rPr>
               <a:t>By </a:t>
             </a:r>
-            <a:endParaRPr>
+            <a:endParaRPr lang="en-US" dirty="0">
               <a:latin typeface="Century Gothic"/>
               <a:ea typeface="Century Gothic"/>
               <a:cs typeface="Century Gothic"/>
@@ -12700,7 +12704,7 @@
               <a:buNone/>
             </a:pPr>
             <a:r>
-              <a:rPr lang="en-US" sz="3200" b="1" i="0" u="none" strike="noStrike" cap="none">
+              <a:rPr lang="en-US" sz="3200" b="1" i="0" u="none" strike="noStrike" cap="none" dirty="0">
                 <a:solidFill>
                   <a:schemeClr val="lt1"/>
                 </a:solidFill>
@@ -12711,7 +12715,7 @@
               </a:rPr>
               <a:t>Hung Lo</a:t>
             </a:r>
-            <a:endParaRPr>
+            <a:endParaRPr dirty="0">
               <a:latin typeface="Century Gothic"/>
               <a:ea typeface="Century Gothic"/>
               <a:cs typeface="Century Gothic"/>
@@ -12941,7 +12945,7 @@
               <a:buChar char="●"/>
             </a:pPr>
             <a:r>
-              <a:rPr lang="en-US">
+              <a:rPr lang="en-US" sz="2800" dirty="0">
                 <a:solidFill>
                   <a:schemeClr val="lt1"/>
                 </a:solidFill>
@@ -12952,7 +12956,7 @@
               </a:rPr>
               <a:t>MobileNetV3 </a:t>
             </a:r>
-            <a:endParaRPr>
+            <a:endParaRPr sz="2800" dirty="0">
               <a:solidFill>
                 <a:schemeClr val="lt1"/>
               </a:solidFill>
@@ -12980,7 +12984,7 @@
               <a:buChar char="●"/>
             </a:pPr>
             <a:r>
-              <a:rPr lang="en-US">
+              <a:rPr lang="en-US" sz="2800" dirty="0" err="1">
                 <a:solidFill>
                   <a:srgbClr val="999999"/>
                 </a:solidFill>
@@ -12989,9 +12993,21 @@
                 <a:cs typeface="Century Gothic"/>
                 <a:sym typeface="Century Gothic"/>
               </a:rPr>
-              <a:t>EfficientNet </a:t>
-            </a:r>
-            <a:endParaRPr>
+              <a:t>EfficientNet</a:t>
+            </a:r>
+            <a:r>
+              <a:rPr lang="en-US" sz="2800" dirty="0">
+                <a:solidFill>
+                  <a:srgbClr val="999999"/>
+                </a:solidFill>
+                <a:latin typeface="Century Gothic"/>
+                <a:ea typeface="Century Gothic"/>
+                <a:cs typeface="Century Gothic"/>
+                <a:sym typeface="Century Gothic"/>
+              </a:rPr>
+              <a:t> </a:t>
+            </a:r>
+            <a:endParaRPr sz="2800" dirty="0">
               <a:solidFill>
                 <a:srgbClr val="999999"/>
               </a:solidFill>
@@ -13018,7 +13034,7 @@
               <a:buSzPts val="1800"/>
               <a:buNone/>
             </a:pPr>
-            <a:endParaRPr>
+            <a:endParaRPr dirty="0">
               <a:solidFill>
                 <a:schemeClr val="lt1"/>
               </a:solidFill>
@@ -13597,19 +13613,7 @@
                 <a:cs typeface="Century Gothic"/>
                 <a:sym typeface="Century Gothic"/>
               </a:rPr>
-              <a:t>Small font types</a:t>
-            </a:r>
-            <a:r>
-              <a:rPr lang="en-US" dirty="0">
-                <a:solidFill>
-                  <a:srgbClr val="999999"/>
-                </a:solidFill>
-                <a:latin typeface="Century Gothic"/>
-                <a:ea typeface="Century Gothic"/>
-                <a:cs typeface="Century Gothic"/>
-                <a:sym typeface="Century Gothic"/>
-              </a:rPr>
-              <a:t> </a:t>
+              <a:t>Black to Dark color for char</a:t>
             </a:r>
             <a:endParaRPr dirty="0">
               <a:solidFill>
@@ -16514,6 +16518,106 @@
         </p:txBody>
       </p:sp>
     </p:spTree>
+  </p:cSld>
+  <p:clrMapOvr>
+    <a:masterClrMapping/>
+  </p:clrMapOvr>
+</p:sld>
+</file>
+
+<file path=ppt/slides/slide24.xml><?xml version="1.0" encoding="utf-8"?>
+<p:sld xmlns:a="http://schemas.openxmlformats.org/drawingml/2006/main" xmlns:r="http://schemas.openxmlformats.org/officeDocument/2006/relationships" xmlns:p="http://schemas.openxmlformats.org/presentationml/2006/main">
+  <p:cSld>
+    <p:spTree>
+      <p:nvGrpSpPr>
+        <p:cNvPr id="1" name=""/>
+        <p:cNvGrpSpPr/>
+        <p:nvPr/>
+      </p:nvGrpSpPr>
+      <p:grpSpPr>
+        <a:xfrm>
+          <a:off x="0" y="0"/>
+          <a:ext cx="0" cy="0"/>
+          <a:chOff x="0" y="0"/>
+          <a:chExt cx="0" cy="0"/>
+        </a:xfrm>
+      </p:grpSpPr>
+      <p:sp>
+        <p:nvSpPr>
+          <p:cNvPr id="2" name="標題 1">
+            <a:extLst>
+              <a:ext uri="{FF2B5EF4-FFF2-40B4-BE49-F238E27FC236}">
+                <a16:creationId xmlns:a16="http://schemas.microsoft.com/office/drawing/2014/main" id="{408FE575-DD5A-44A7-B460-8AD083B56722}"/>
+              </a:ext>
+            </a:extLst>
+          </p:cNvPr>
+          <p:cNvSpPr>
+            <a:spLocks noGrp="1"/>
+          </p:cNvSpPr>
+          <p:nvPr>
+            <p:ph type="title"/>
+          </p:nvPr>
+        </p:nvSpPr>
+        <p:spPr/>
+        <p:txBody>
+          <a:bodyPr/>
+          <a:lstStyle/>
+          <a:p>
+            <a:r>
+              <a:rPr lang="en-US" altLang="zh-TW" dirty="0"/>
+              <a:t>Future work</a:t>
+            </a:r>
+            <a:endParaRPr lang="zh-TW" altLang="en-US" dirty="0"/>
+          </a:p>
+        </p:txBody>
+      </p:sp>
+      <p:sp>
+        <p:nvSpPr>
+          <p:cNvPr id="3" name="文字版面配置區 2">
+            <a:extLst>
+              <a:ext uri="{FF2B5EF4-FFF2-40B4-BE49-F238E27FC236}">
+                <a16:creationId xmlns:a16="http://schemas.microsoft.com/office/drawing/2014/main" id="{7500E196-0D62-4909-BAA7-4E107CEC6BD5}"/>
+              </a:ext>
+            </a:extLst>
+          </p:cNvPr>
+          <p:cNvSpPr>
+            <a:spLocks noGrp="1"/>
+          </p:cNvSpPr>
+          <p:nvPr>
+            <p:ph type="body" idx="1"/>
+          </p:nvPr>
+        </p:nvSpPr>
+        <p:spPr/>
+        <p:txBody>
+          <a:bodyPr/>
+          <a:lstStyle/>
+          <a:p>
+            <a:r>
+              <a:rPr lang="en-US" altLang="zh-TW" dirty="0"/>
+              <a:t>We can train on more noise background</a:t>
+            </a:r>
+          </a:p>
+          <a:p>
+            <a:r>
+              <a:rPr lang="en-US" altLang="zh-TW" dirty="0"/>
+              <a:t>The word level classification</a:t>
+            </a:r>
+          </a:p>
+          <a:p>
+            <a:r>
+              <a:rPr lang="en-US" altLang="zh-TW" dirty="0"/>
+              <a:t>The operation on the edge device</a:t>
+            </a:r>
+            <a:endParaRPr lang="zh-TW" altLang="en-US" dirty="0"/>
+          </a:p>
+        </p:txBody>
+      </p:sp>
+    </p:spTree>
+    <p:extLst>
+      <p:ext uri="{BB962C8B-B14F-4D97-AF65-F5344CB8AC3E}">
+        <p14:creationId xmlns:p14="http://schemas.microsoft.com/office/powerpoint/2010/main" val="3305043813"/>
+      </p:ext>
+    </p:extLst>
   </p:cSld>
   <p:clrMapOvr>
     <a:masterClrMapping/>
